--- a/paper/fig-ppt/dt_2_v.pptx
+++ b/paper/fig-ppt/dt_2_v.pptx
@@ -261,7 +261,7 @@
           <a:p>
             <a:fld id="{C3B91273-C6EA-4244-850A-5CA273985964}" type="datetimeFigureOut">
               <a:rPr lang="en-US" smtClean="0"/>
-              <a:t>8/30/2022</a:t>
+              <a:t>9/2/2022</a:t>
             </a:fld>
             <a:endParaRPr lang="en-US"/>
           </a:p>
@@ -459,7 +459,7 @@
           <a:p>
             <a:fld id="{C3B91273-C6EA-4244-850A-5CA273985964}" type="datetimeFigureOut">
               <a:rPr lang="en-US" smtClean="0"/>
-              <a:t>8/30/2022</a:t>
+              <a:t>9/2/2022</a:t>
             </a:fld>
             <a:endParaRPr lang="en-US"/>
           </a:p>
@@ -667,7 +667,7 @@
           <a:p>
             <a:fld id="{C3B91273-C6EA-4244-850A-5CA273985964}" type="datetimeFigureOut">
               <a:rPr lang="en-US" smtClean="0"/>
-              <a:t>8/30/2022</a:t>
+              <a:t>9/2/2022</a:t>
             </a:fld>
             <a:endParaRPr lang="en-US"/>
           </a:p>
@@ -865,7 +865,7 @@
           <a:p>
             <a:fld id="{C3B91273-C6EA-4244-850A-5CA273985964}" type="datetimeFigureOut">
               <a:rPr lang="en-US" smtClean="0"/>
-              <a:t>8/30/2022</a:t>
+              <a:t>9/2/2022</a:t>
             </a:fld>
             <a:endParaRPr lang="en-US"/>
           </a:p>
@@ -1140,7 +1140,7 @@
           <a:p>
             <a:fld id="{C3B91273-C6EA-4244-850A-5CA273985964}" type="datetimeFigureOut">
               <a:rPr lang="en-US" smtClean="0"/>
-              <a:t>8/30/2022</a:t>
+              <a:t>9/2/2022</a:t>
             </a:fld>
             <a:endParaRPr lang="en-US"/>
           </a:p>
@@ -1405,7 +1405,7 @@
           <a:p>
             <a:fld id="{C3B91273-C6EA-4244-850A-5CA273985964}" type="datetimeFigureOut">
               <a:rPr lang="en-US" smtClean="0"/>
-              <a:t>8/30/2022</a:t>
+              <a:t>9/2/2022</a:t>
             </a:fld>
             <a:endParaRPr lang="en-US"/>
           </a:p>
@@ -1817,7 +1817,7 @@
           <a:p>
             <a:fld id="{C3B91273-C6EA-4244-850A-5CA273985964}" type="datetimeFigureOut">
               <a:rPr lang="en-US" smtClean="0"/>
-              <a:t>8/30/2022</a:t>
+              <a:t>9/2/2022</a:t>
             </a:fld>
             <a:endParaRPr lang="en-US"/>
           </a:p>
@@ -1958,7 +1958,7 @@
           <a:p>
             <a:fld id="{C3B91273-C6EA-4244-850A-5CA273985964}" type="datetimeFigureOut">
               <a:rPr lang="en-US" smtClean="0"/>
-              <a:t>8/30/2022</a:t>
+              <a:t>9/2/2022</a:t>
             </a:fld>
             <a:endParaRPr lang="en-US"/>
           </a:p>
@@ -2071,7 +2071,7 @@
           <a:p>
             <a:fld id="{C3B91273-C6EA-4244-850A-5CA273985964}" type="datetimeFigureOut">
               <a:rPr lang="en-US" smtClean="0"/>
-              <a:t>8/30/2022</a:t>
+              <a:t>9/2/2022</a:t>
             </a:fld>
             <a:endParaRPr lang="en-US"/>
           </a:p>
@@ -2382,7 +2382,7 @@
           <a:p>
             <a:fld id="{C3B91273-C6EA-4244-850A-5CA273985964}" type="datetimeFigureOut">
               <a:rPr lang="en-US" smtClean="0"/>
-              <a:t>8/30/2022</a:t>
+              <a:t>9/2/2022</a:t>
             </a:fld>
             <a:endParaRPr lang="en-US"/>
           </a:p>
@@ -2670,7 +2670,7 @@
           <a:p>
             <a:fld id="{C3B91273-C6EA-4244-850A-5CA273985964}" type="datetimeFigureOut">
               <a:rPr lang="en-US" smtClean="0"/>
-              <a:t>8/30/2022</a:t>
+              <a:t>9/2/2022</a:t>
             </a:fld>
             <a:endParaRPr lang="en-US"/>
           </a:p>
@@ -2911,7 +2911,7 @@
           <a:p>
             <a:fld id="{C3B91273-C6EA-4244-850A-5CA273985964}" type="datetimeFigureOut">
               <a:rPr lang="en-US" smtClean="0"/>
-              <a:t>8/30/2022</a:t>
+              <a:t>9/2/2022</a:t>
             </a:fld>
             <a:endParaRPr lang="en-US"/>
           </a:p>
@@ -3515,42 +3515,6 @@
               </a:fontRef>
             </p:style>
           </p:cxnSp>
-          <p:sp>
-            <p:nvSpPr>
-              <p:cNvPr id="104" name="TextBox 103">
-                <a:extLst>
-                  <a:ext uri="{FF2B5EF4-FFF2-40B4-BE49-F238E27FC236}">
-                    <a16:creationId xmlns:a16="http://schemas.microsoft.com/office/drawing/2014/main" id="{BC6EBB43-64A5-399E-CCA5-485FFB61BE8D}"/>
-                  </a:ext>
-                </a:extLst>
-              </p:cNvPr>
-              <p:cNvSpPr txBox="1"/>
-              <p:nvPr/>
-            </p:nvSpPr>
-            <p:spPr>
-              <a:xfrm>
-                <a:off x="7660564" y="4985632"/>
-                <a:ext cx="1406154" cy="400110"/>
-              </a:xfrm>
-              <a:prstGeom prst="rect">
-                <a:avLst/>
-              </a:prstGeom>
-              <a:noFill/>
-            </p:spPr>
-            <p:txBody>
-              <a:bodyPr wrap="none" rtlCol="0">
-                <a:spAutoFit/>
-              </a:bodyPr>
-              <a:lstStyle/>
-              <a:p>
-                <a:pPr algn="ctr"/>
-                <a:r>
-                  <a:rPr lang="en-US" sz="2000" dirty="0"/>
-                  <a:t>3) Sampling</a:t>
-                </a:r>
-              </a:p>
-            </p:txBody>
-          </p:sp>
           <p:cxnSp>
             <p:nvCxnSpPr>
               <p:cNvPr id="105" name="Straight Arrow Connector 104">
@@ -3679,8 +3643,8 @@
             </p:nvSpPr>
             <p:spPr>
               <a:xfrm>
-                <a:off x="3043462" y="4985632"/>
-                <a:ext cx="1561197" cy="400110"/>
+                <a:off x="2933385" y="4985632"/>
+                <a:ext cx="1708929" cy="400110"/>
               </a:xfrm>
               <a:prstGeom prst="rect">
                 <a:avLst/>
@@ -3696,7 +3660,7 @@
                 <a:pPr algn="ctr"/>
                 <a:r>
                   <a:rPr lang="en-US" sz="2000" dirty="0"/>
-                  <a:t>4) Estimation</a:t>
+                  <a:t>4) Convolution</a:t>
                 </a:r>
               </a:p>
             </p:txBody>
@@ -4122,9 +4086,9 @@
             <p:grpSpPr>
               <a:xfrm>
                 <a:off x="4408158" y="3612051"/>
-                <a:ext cx="3348919" cy="414963"/>
+                <a:ext cx="3154618" cy="414963"/>
                 <a:chOff x="4408158" y="3590338"/>
-                <a:chExt cx="3348919" cy="414963"/>
+                <a:chExt cx="3154618" cy="414963"/>
               </a:xfrm>
             </p:grpSpPr>
             <p:sp>
@@ -4141,8 +4105,8 @@
               </p:nvSpPr>
               <p:spPr>
                 <a:xfrm>
-                  <a:off x="4752594" y="3605191"/>
-                  <a:ext cx="3004483" cy="400110"/>
+                  <a:off x="4614072" y="3605191"/>
+                  <a:ext cx="2948704" cy="400110"/>
                 </a:xfrm>
                 <a:prstGeom prst="rect">
                   <a:avLst/>
@@ -4158,7 +4122,7 @@
                   <a:pPr algn="ctr"/>
                   <a:r>
                     <a:rPr lang="en-US" sz="2000" dirty="0"/>
-                    <a:t>Calculated tool path</a:t>
+                    <a:t>    Up-sampled tool path</a:t>
                   </a:r>
                 </a:p>
               </p:txBody>
@@ -4426,6 +4390,42 @@
                 <a:r>
                   <a:rPr lang="en-US" sz="2000" b="1" dirty="0"/>
                   <a:t>(c)</a:t>
+                </a:r>
+              </a:p>
+            </p:txBody>
+          </p:sp>
+          <p:sp>
+            <p:nvSpPr>
+              <p:cNvPr id="104" name="TextBox 103">
+                <a:extLst>
+                  <a:ext uri="{FF2B5EF4-FFF2-40B4-BE49-F238E27FC236}">
+                    <a16:creationId xmlns:a16="http://schemas.microsoft.com/office/drawing/2014/main" id="{BC6EBB43-64A5-399E-CCA5-485FFB61BE8D}"/>
+                  </a:ext>
+                </a:extLst>
+              </p:cNvPr>
+              <p:cNvSpPr txBox="1"/>
+              <p:nvPr/>
+            </p:nvSpPr>
+            <p:spPr>
+              <a:xfrm>
+                <a:off x="7453068" y="4985632"/>
+                <a:ext cx="1766830" cy="400110"/>
+              </a:xfrm>
+              <a:prstGeom prst="rect">
+                <a:avLst/>
+              </a:prstGeom>
+              <a:noFill/>
+            </p:spPr>
+            <p:txBody>
+              <a:bodyPr wrap="none" rtlCol="0">
+                <a:spAutoFit/>
+              </a:bodyPr>
+              <a:lstStyle/>
+              <a:p>
+                <a:pPr algn="ctr"/>
+                <a:r>
+                  <a:rPr lang="en-US" sz="2000" dirty="0"/>
+                  <a:t>3) Up-sampling</a:t>
                 </a:r>
               </a:p>
             </p:txBody>
